--- a/02/beom/combinationLogic.pptx
+++ b/02/beom/combinationLogic.pptx
@@ -9,9 +9,10 @@
     <p:sldId id="257" r:id="rId3"/>
     <p:sldId id="258" r:id="rId4"/>
     <p:sldId id="259" r:id="rId5"/>
-    <p:sldId id="260" r:id="rId6"/>
-    <p:sldId id="261" r:id="rId7"/>
-    <p:sldId id="263" r:id="rId8"/>
+    <p:sldId id="264" r:id="rId6"/>
+    <p:sldId id="260" r:id="rId7"/>
+    <p:sldId id="261" r:id="rId8"/>
+    <p:sldId id="263" r:id="rId9"/>
   </p:sldIdLst>
   <p:sldSz cx="12192000" cy="6858000"/>
   <p:notesSz cx="6858000" cy="9144000"/>
@@ -110,6 +111,11 @@
       </a:defRPr>
     </a:lvl9pPr>
   </p:defaultTextStyle>
+  <p:extLst>
+    <p:ext uri="{EFAFB233-063F-42B5-8137-9DF3F51BA10A}">
+      <p15:sldGuideLst xmlns:p15="http://schemas.microsoft.com/office/powerpoint/2012/main"/>
+    </p:ext>
+  </p:extLst>
 </p:presentation>
 </file>
 
@@ -3378,7 +3384,7 @@
         </p:nvSpPr>
         <p:spPr>
           <a:xfrm>
-            <a:off x="10180320" y="6128703"/>
+            <a:off x="10180320" y="5945823"/>
             <a:ext cx="1780032" cy="411480"/>
           </a:xfrm>
         </p:spPr>
@@ -3389,7 +3395,7 @@
           <a:lstStyle/>
           <a:p>
             <a:r>
-              <a:rPr lang="ko-KR" altLang="en-US"/>
+              <a:rPr lang="ko-KR" altLang="en-US" dirty="0" err="1"/>
               <a:t>신범철</a:t>
             </a:r>
             <a:endParaRPr lang="ko-KR" altLang="en-US" dirty="0"/>
@@ -4266,6 +4272,163 @@
           <a:p>
             <a:r>
               <a:rPr lang="ko-KR" altLang="en-US" dirty="0"/>
+              <a:t>컴퓨터가 </a:t>
+            </a:r>
+            <a:r>
+              <a:rPr lang="en-US" altLang="ko-KR" dirty="0"/>
+              <a:t>16</a:t>
+            </a:r>
+            <a:r>
+              <a:rPr lang="ko-KR" altLang="en-US" dirty="0"/>
+              <a:t>진수를 사용하는 이유</a:t>
+            </a:r>
+          </a:p>
+        </p:txBody>
+      </p:sp>
+      <p:sp>
+        <p:nvSpPr>
+          <p:cNvPr id="3" name="내용 개체 틀 2">
+            <a:extLst>
+              <a:ext uri="{FF2B5EF4-FFF2-40B4-BE49-F238E27FC236}">
+                <a16:creationId xmlns:a16="http://schemas.microsoft.com/office/drawing/2014/main" id="{B9837BF1-EA78-48EC-B542-3A13A240EB50}"/>
+              </a:ext>
+            </a:extLst>
+          </p:cNvPr>
+          <p:cNvSpPr>
+            <a:spLocks noGrp="1"/>
+          </p:cNvSpPr>
+          <p:nvPr>
+            <p:ph idx="1"/>
+          </p:nvPr>
+        </p:nvSpPr>
+        <p:spPr>
+          <a:xfrm>
+            <a:off x="710184" y="1690688"/>
+            <a:ext cx="10515600" cy="5032375"/>
+          </a:xfrm>
+        </p:spPr>
+        <p:txBody>
+          <a:bodyPr>
+            <a:normAutofit/>
+          </a:bodyPr>
+          <a:lstStyle/>
+          <a:p>
+            <a:pPr marL="0" indent="0">
+              <a:buNone/>
+            </a:pPr>
+            <a:r>
+              <a:rPr lang="ko-KR" altLang="en-US" dirty="0"/>
+              <a:t>구분이 가능함</a:t>
+            </a:r>
+            <a:r>
+              <a:rPr lang="en-US" altLang="ko-KR" dirty="0"/>
+              <a:t>? </a:t>
+            </a:r>
+          </a:p>
+          <a:p>
+            <a:pPr marL="0" indent="0">
+              <a:buNone/>
+            </a:pPr>
+            <a:r>
+              <a:rPr lang="ko-KR" altLang="en-US" dirty="0"/>
+              <a:t>하나가 </a:t>
+            </a:r>
+            <a:r>
+              <a:rPr lang="en-US" altLang="ko-KR" dirty="0"/>
+              <a:t>4</a:t>
+            </a:r>
+            <a:r>
+              <a:rPr lang="ko-KR" altLang="en-US" dirty="0"/>
+              <a:t>비트 </a:t>
+            </a:r>
+            <a:r>
+              <a:rPr lang="en-US" altLang="ko-KR" dirty="0"/>
+              <a:t>2</a:t>
+            </a:r>
+            <a:r>
+              <a:rPr lang="ko-KR" altLang="en-US" dirty="0"/>
+              <a:t>개가 </a:t>
+            </a:r>
+            <a:r>
+              <a:rPr lang="en-US" altLang="ko-KR" dirty="0"/>
+              <a:t>1</a:t>
+            </a:r>
+            <a:r>
+              <a:rPr lang="ko-KR" altLang="en-US" dirty="0"/>
+              <a:t>바이트이다</a:t>
+            </a:r>
+            <a:r>
+              <a:rPr lang="en-US" altLang="ko-KR" dirty="0"/>
+              <a:t>.</a:t>
+            </a:r>
+          </a:p>
+          <a:p>
+            <a:pPr marL="0" indent="0">
+              <a:buNone/>
+            </a:pPr>
+            <a:endParaRPr lang="en-US" altLang="ko-KR" dirty="0"/>
+          </a:p>
+          <a:p>
+            <a:pPr marL="0" indent="0">
+              <a:buNone/>
+            </a:pPr>
+            <a:endParaRPr lang="en-US" altLang="ko-KR" dirty="0"/>
+          </a:p>
+        </p:txBody>
+      </p:sp>
+    </p:spTree>
+    <p:extLst>
+      <p:ext uri="{BB962C8B-B14F-4D97-AF65-F5344CB8AC3E}">
+        <p14:creationId xmlns:p14="http://schemas.microsoft.com/office/powerpoint/2010/main" val="3107229665"/>
+      </p:ext>
+    </p:extLst>
+  </p:cSld>
+  <p:clrMapOvr>
+    <a:masterClrMapping/>
+  </p:clrMapOvr>
+</p:sld>
+</file>
+
+<file path=ppt/slides/slide6.xml><?xml version="1.0" encoding="utf-8"?>
+<p:sld xmlns:a="http://schemas.openxmlformats.org/drawingml/2006/main" xmlns:r="http://schemas.openxmlformats.org/officeDocument/2006/relationships" xmlns:p="http://schemas.openxmlformats.org/presentationml/2006/main">
+  <p:cSld>
+    <p:spTree>
+      <p:nvGrpSpPr>
+        <p:cNvPr id="1" name=""/>
+        <p:cNvGrpSpPr/>
+        <p:nvPr/>
+      </p:nvGrpSpPr>
+      <p:grpSpPr>
+        <a:xfrm>
+          <a:off x="0" y="0"/>
+          <a:ext cx="0" cy="0"/>
+          <a:chOff x="0" y="0"/>
+          <a:chExt cx="0" cy="0"/>
+        </a:xfrm>
+      </p:grpSpPr>
+      <p:sp>
+        <p:nvSpPr>
+          <p:cNvPr id="2" name="제목 1">
+            <a:extLst>
+              <a:ext uri="{FF2B5EF4-FFF2-40B4-BE49-F238E27FC236}">
+                <a16:creationId xmlns:a16="http://schemas.microsoft.com/office/drawing/2014/main" id="{0532B0D0-C45C-4074-8DBA-F1D5166775C7}"/>
+              </a:ext>
+            </a:extLst>
+          </p:cNvPr>
+          <p:cNvSpPr>
+            <a:spLocks noGrp="1"/>
+          </p:cNvSpPr>
+          <p:nvPr>
+            <p:ph type="title"/>
+          </p:nvPr>
+        </p:nvSpPr>
+        <p:spPr/>
+        <p:txBody>
+          <a:bodyPr/>
+          <a:lstStyle/>
+          <a:p>
+            <a:r>
+              <a:rPr lang="ko-KR" altLang="en-US" dirty="0"/>
               <a:t>전기 이론</a:t>
             </a:r>
           </a:p>
@@ -4798,7 +4961,7 @@
 </p:sld>
 </file>
 
-<file path=ppt/slides/slide6.xml><?xml version="1.0" encoding="utf-8"?>
+<file path=ppt/slides/slide7.xml><?xml version="1.0" encoding="utf-8"?>
 <p:sld xmlns:a="http://schemas.openxmlformats.org/drawingml/2006/main" xmlns:r="http://schemas.openxmlformats.org/officeDocument/2006/relationships" xmlns:p="http://schemas.openxmlformats.org/presentationml/2006/main">
   <p:cSld>
     <p:spTree>
@@ -5220,7 +5383,7 @@
 </p:sld>
 </file>
 
-<file path=ppt/slides/slide7.xml><?xml version="1.0" encoding="utf-8"?>
+<file path=ppt/slides/slide8.xml><?xml version="1.0" encoding="utf-8"?>
 <p:sld xmlns:a="http://schemas.openxmlformats.org/drawingml/2006/main" xmlns:r="http://schemas.openxmlformats.org/officeDocument/2006/relationships" xmlns:p="http://schemas.openxmlformats.org/presentationml/2006/main">
   <p:cSld>
     <p:spTree>
